--- a/Monograph/適応型の手順1.pptx
+++ b/Monograph/適応型の手順1.pptx
@@ -107,6 +107,11 @@
       </a:defRPr>
     </a:lvl9pPr>
   </p:defaultTextStyle>
+  <p:extLst>
+    <p:ext uri="{EFAFB233-063F-42B5-8137-9DF3F51BA10A}">
+      <p15:sldGuideLst xmlns:p15="http://schemas.microsoft.com/office/powerpoint/2012/main"/>
+    </p:ext>
+  </p:extLst>
 </p:presentation>
 </file>
 
@@ -241,7 +246,7 @@
           <a:p>
             <a:fld id="{1D5AF6A2-9FBD-5145-B7BF-A21054C404F5}" type="datetimeFigureOut">
               <a:rPr kumimoji="1" lang="ja-JP" altLang="en-US" smtClean="0"/>
-              <a:t>2016/1/24</a:t>
+              <a:t>2016/1/25</a:t>
             </a:fld>
             <a:endParaRPr kumimoji="1" lang="ja-JP" altLang="en-US"/>
           </a:p>
@@ -443,7 +448,7 @@
           <a:p>
             <a:fld id="{1D5AF6A2-9FBD-5145-B7BF-A21054C404F5}" type="datetimeFigureOut">
               <a:rPr kumimoji="1" lang="ja-JP" altLang="en-US" smtClean="0"/>
-              <a:t>2016/1/24</a:t>
+              <a:t>2016/1/25</a:t>
             </a:fld>
             <a:endParaRPr kumimoji="1" lang="ja-JP" altLang="en-US"/>
           </a:p>
@@ -655,7 +660,7 @@
           <a:p>
             <a:fld id="{1D5AF6A2-9FBD-5145-B7BF-A21054C404F5}" type="datetimeFigureOut">
               <a:rPr kumimoji="1" lang="ja-JP" altLang="en-US" smtClean="0"/>
-              <a:t>2016/1/24</a:t>
+              <a:t>2016/1/25</a:t>
             </a:fld>
             <a:endParaRPr kumimoji="1" lang="ja-JP" altLang="en-US"/>
           </a:p>
@@ -857,7 +862,7 @@
           <a:p>
             <a:fld id="{1D5AF6A2-9FBD-5145-B7BF-A21054C404F5}" type="datetimeFigureOut">
               <a:rPr kumimoji="1" lang="ja-JP" altLang="en-US" smtClean="0"/>
-              <a:t>2016/1/24</a:t>
+              <a:t>2016/1/25</a:t>
             </a:fld>
             <a:endParaRPr kumimoji="1" lang="ja-JP" altLang="en-US"/>
           </a:p>
@@ -1103,7 +1108,7 @@
           <a:p>
             <a:fld id="{1D5AF6A2-9FBD-5145-B7BF-A21054C404F5}" type="datetimeFigureOut">
               <a:rPr kumimoji="1" lang="ja-JP" altLang="en-US" smtClean="0"/>
-              <a:t>2016/1/24</a:t>
+              <a:t>2016/1/25</a:t>
             </a:fld>
             <a:endParaRPr kumimoji="1" lang="ja-JP" altLang="en-US"/>
           </a:p>
@@ -1399,7 +1404,7 @@
           <a:p>
             <a:fld id="{1D5AF6A2-9FBD-5145-B7BF-A21054C404F5}" type="datetimeFigureOut">
               <a:rPr kumimoji="1" lang="ja-JP" altLang="en-US" smtClean="0"/>
-              <a:t>2016/1/24</a:t>
+              <a:t>2016/1/25</a:t>
             </a:fld>
             <a:endParaRPr kumimoji="1" lang="ja-JP" altLang="en-US"/>
           </a:p>
@@ -1830,7 +1835,7 @@
           <a:p>
             <a:fld id="{1D5AF6A2-9FBD-5145-B7BF-A21054C404F5}" type="datetimeFigureOut">
               <a:rPr kumimoji="1" lang="ja-JP" altLang="en-US" smtClean="0"/>
-              <a:t>2016/1/24</a:t>
+              <a:t>2016/1/25</a:t>
             </a:fld>
             <a:endParaRPr kumimoji="1" lang="ja-JP" altLang="en-US"/>
           </a:p>
@@ -1948,7 +1953,7 @@
           <a:p>
             <a:fld id="{1D5AF6A2-9FBD-5145-B7BF-A21054C404F5}" type="datetimeFigureOut">
               <a:rPr kumimoji="1" lang="ja-JP" altLang="en-US" smtClean="0"/>
-              <a:t>2016/1/24</a:t>
+              <a:t>2016/1/25</a:t>
             </a:fld>
             <a:endParaRPr kumimoji="1" lang="ja-JP" altLang="en-US"/>
           </a:p>
@@ -2043,7 +2048,7 @@
           <a:p>
             <a:fld id="{1D5AF6A2-9FBD-5145-B7BF-A21054C404F5}" type="datetimeFigureOut">
               <a:rPr kumimoji="1" lang="ja-JP" altLang="en-US" smtClean="0"/>
-              <a:t>2016/1/24</a:t>
+              <a:t>2016/1/25</a:t>
             </a:fld>
             <a:endParaRPr kumimoji="1" lang="ja-JP" altLang="en-US"/>
           </a:p>
@@ -2352,7 +2357,7 @@
           <a:p>
             <a:fld id="{1D5AF6A2-9FBD-5145-B7BF-A21054C404F5}" type="datetimeFigureOut">
               <a:rPr kumimoji="1" lang="ja-JP" altLang="en-US" smtClean="0"/>
-              <a:t>2016/1/24</a:t>
+              <a:t>2016/1/25</a:t>
             </a:fld>
             <a:endParaRPr kumimoji="1" lang="ja-JP" altLang="en-US"/>
           </a:p>
@@ -2605,7 +2610,7 @@
           <a:p>
             <a:fld id="{1D5AF6A2-9FBD-5145-B7BF-A21054C404F5}" type="datetimeFigureOut">
               <a:rPr kumimoji="1" lang="ja-JP" altLang="en-US" smtClean="0"/>
-              <a:t>2016/1/24</a:t>
+              <a:t>2016/1/25</a:t>
             </a:fld>
             <a:endParaRPr kumimoji="1" lang="ja-JP" altLang="en-US"/>
           </a:p>
@@ -2850,7 +2855,7 @@
           <a:p>
             <a:fld id="{1D5AF6A2-9FBD-5145-B7BF-A21054C404F5}" type="datetimeFigureOut">
               <a:rPr kumimoji="1" lang="ja-JP" altLang="en-US" smtClean="0"/>
-              <a:t>2016/1/24</a:t>
+              <a:t>2016/1/25</a:t>
             </a:fld>
             <a:endParaRPr kumimoji="1" lang="ja-JP" altLang="en-US"/>
           </a:p>
@@ -3257,20 +3262,22 @@
       </p:grpSpPr>
       <p:sp>
         <p:nvSpPr>
-          <p:cNvPr id="60" name="円/楕円 59"/>
+          <p:cNvPr id="2" name="円/楕円 1"/>
           <p:cNvSpPr/>
           <p:nvPr/>
         </p:nvSpPr>
         <p:spPr>
           <a:xfrm>
-            <a:off x="6413950" y="4657857"/>
-            <a:ext cx="916693" cy="664859"/>
+            <a:off x="4241074" y="638629"/>
+            <a:ext cx="3657600" cy="5596708"/>
           </a:xfrm>
           <a:prstGeom prst="ellipse">
             <a:avLst/>
           </a:prstGeom>
           <a:solidFill>
-            <a:schemeClr val="bg1"/>
+            <a:schemeClr val="bg2">
+              <a:lumMod val="90000"/>
+            </a:schemeClr>
           </a:solidFill>
           <a:ln>
             <a:noFill/>

--- a/Monograph/適応型の手順1.pptx
+++ b/Monograph/適応型の手順1.pptx
@@ -246,7 +246,7 @@
           <a:p>
             <a:fld id="{1D5AF6A2-9FBD-5145-B7BF-A21054C404F5}" type="datetimeFigureOut">
               <a:rPr kumimoji="1" lang="ja-JP" altLang="en-US" smtClean="0"/>
-              <a:t>2016/1/25</a:t>
+              <a:t>2016/1/29</a:t>
             </a:fld>
             <a:endParaRPr kumimoji="1" lang="ja-JP" altLang="en-US"/>
           </a:p>
@@ -448,7 +448,7 @@
           <a:p>
             <a:fld id="{1D5AF6A2-9FBD-5145-B7BF-A21054C404F5}" type="datetimeFigureOut">
               <a:rPr kumimoji="1" lang="ja-JP" altLang="en-US" smtClean="0"/>
-              <a:t>2016/1/25</a:t>
+              <a:t>2016/1/29</a:t>
             </a:fld>
             <a:endParaRPr kumimoji="1" lang="ja-JP" altLang="en-US"/>
           </a:p>
@@ -660,7 +660,7 @@
           <a:p>
             <a:fld id="{1D5AF6A2-9FBD-5145-B7BF-A21054C404F5}" type="datetimeFigureOut">
               <a:rPr kumimoji="1" lang="ja-JP" altLang="en-US" smtClean="0"/>
-              <a:t>2016/1/25</a:t>
+              <a:t>2016/1/29</a:t>
             </a:fld>
             <a:endParaRPr kumimoji="1" lang="ja-JP" altLang="en-US"/>
           </a:p>
@@ -862,7 +862,7 @@
           <a:p>
             <a:fld id="{1D5AF6A2-9FBD-5145-B7BF-A21054C404F5}" type="datetimeFigureOut">
               <a:rPr kumimoji="1" lang="ja-JP" altLang="en-US" smtClean="0"/>
-              <a:t>2016/1/25</a:t>
+              <a:t>2016/1/29</a:t>
             </a:fld>
             <a:endParaRPr kumimoji="1" lang="ja-JP" altLang="en-US"/>
           </a:p>
@@ -1108,7 +1108,7 @@
           <a:p>
             <a:fld id="{1D5AF6A2-9FBD-5145-B7BF-A21054C404F5}" type="datetimeFigureOut">
               <a:rPr kumimoji="1" lang="ja-JP" altLang="en-US" smtClean="0"/>
-              <a:t>2016/1/25</a:t>
+              <a:t>2016/1/29</a:t>
             </a:fld>
             <a:endParaRPr kumimoji="1" lang="ja-JP" altLang="en-US"/>
           </a:p>
@@ -1404,7 +1404,7 @@
           <a:p>
             <a:fld id="{1D5AF6A2-9FBD-5145-B7BF-A21054C404F5}" type="datetimeFigureOut">
               <a:rPr kumimoji="1" lang="ja-JP" altLang="en-US" smtClean="0"/>
-              <a:t>2016/1/25</a:t>
+              <a:t>2016/1/29</a:t>
             </a:fld>
             <a:endParaRPr kumimoji="1" lang="ja-JP" altLang="en-US"/>
           </a:p>
@@ -1835,7 +1835,7 @@
           <a:p>
             <a:fld id="{1D5AF6A2-9FBD-5145-B7BF-A21054C404F5}" type="datetimeFigureOut">
               <a:rPr kumimoji="1" lang="ja-JP" altLang="en-US" smtClean="0"/>
-              <a:t>2016/1/25</a:t>
+              <a:t>2016/1/29</a:t>
             </a:fld>
             <a:endParaRPr kumimoji="1" lang="ja-JP" altLang="en-US"/>
           </a:p>
@@ -1953,7 +1953,7 @@
           <a:p>
             <a:fld id="{1D5AF6A2-9FBD-5145-B7BF-A21054C404F5}" type="datetimeFigureOut">
               <a:rPr kumimoji="1" lang="ja-JP" altLang="en-US" smtClean="0"/>
-              <a:t>2016/1/25</a:t>
+              <a:t>2016/1/29</a:t>
             </a:fld>
             <a:endParaRPr kumimoji="1" lang="ja-JP" altLang="en-US"/>
           </a:p>
@@ -2048,7 +2048,7 @@
           <a:p>
             <a:fld id="{1D5AF6A2-9FBD-5145-B7BF-A21054C404F5}" type="datetimeFigureOut">
               <a:rPr kumimoji="1" lang="ja-JP" altLang="en-US" smtClean="0"/>
-              <a:t>2016/1/25</a:t>
+              <a:t>2016/1/29</a:t>
             </a:fld>
             <a:endParaRPr kumimoji="1" lang="ja-JP" altLang="en-US"/>
           </a:p>
@@ -2357,7 +2357,7 @@
           <a:p>
             <a:fld id="{1D5AF6A2-9FBD-5145-B7BF-A21054C404F5}" type="datetimeFigureOut">
               <a:rPr kumimoji="1" lang="ja-JP" altLang="en-US" smtClean="0"/>
-              <a:t>2016/1/25</a:t>
+              <a:t>2016/1/29</a:t>
             </a:fld>
             <a:endParaRPr kumimoji="1" lang="ja-JP" altLang="en-US"/>
           </a:p>
@@ -2610,7 +2610,7 @@
           <a:p>
             <a:fld id="{1D5AF6A2-9FBD-5145-B7BF-A21054C404F5}" type="datetimeFigureOut">
               <a:rPr kumimoji="1" lang="ja-JP" altLang="en-US" smtClean="0"/>
-              <a:t>2016/1/25</a:t>
+              <a:t>2016/1/29</a:t>
             </a:fld>
             <a:endParaRPr kumimoji="1" lang="ja-JP" altLang="en-US"/>
           </a:p>
@@ -2855,7 +2855,7 @@
           <a:p>
             <a:fld id="{1D5AF6A2-9FBD-5145-B7BF-A21054C404F5}" type="datetimeFigureOut">
               <a:rPr kumimoji="1" lang="ja-JP" altLang="en-US" smtClean="0"/>
-              <a:t>2016/1/25</a:t>
+              <a:t>2016/1/29</a:t>
             </a:fld>
             <a:endParaRPr kumimoji="1" lang="ja-JP" altLang="en-US"/>
           </a:p>
@@ -3926,44 +3926,6 @@
       </p:cxnSp>
       <p:cxnSp>
         <p:nvCxnSpPr>
-          <p:cNvPr id="20" name="直線コネクタ 19"/>
-          <p:cNvCxnSpPr>
-            <a:stCxn id="12" idx="5"/>
-            <a:endCxn id="10" idx="1"/>
-          </p:cNvCxnSpPr>
-          <p:nvPr/>
-        </p:nvCxnSpPr>
-        <p:spPr>
-          <a:xfrm>
-            <a:off x="5229041" y="1706765"/>
-            <a:ext cx="224621" cy="492532"/>
-          </a:xfrm>
-          <a:prstGeom prst="line">
-            <a:avLst/>
-          </a:prstGeom>
-          <a:ln w="15875">
-            <a:solidFill>
-              <a:schemeClr val="tx1"/>
-            </a:solidFill>
-          </a:ln>
-        </p:spPr>
-        <p:style>
-          <a:lnRef idx="1">
-            <a:schemeClr val="accent1"/>
-          </a:lnRef>
-          <a:fillRef idx="0">
-            <a:schemeClr val="accent1"/>
-          </a:fillRef>
-          <a:effectRef idx="0">
-            <a:schemeClr val="accent1"/>
-          </a:effectRef>
-          <a:fontRef idx="minor">
-            <a:schemeClr val="tx1"/>
-          </a:fontRef>
-        </p:style>
-      </p:cxnSp>
-      <p:cxnSp>
-        <p:nvCxnSpPr>
           <p:cNvPr id="21" name="直線コネクタ 20"/>
           <p:cNvCxnSpPr>
             <a:stCxn id="15" idx="5"/>
@@ -4050,44 +4012,6 @@
           <a:xfrm flipH="1">
             <a:off x="5606673" y="1102660"/>
             <a:ext cx="506020" cy="1033258"/>
-          </a:xfrm>
-          <a:prstGeom prst="line">
-            <a:avLst/>
-          </a:prstGeom>
-          <a:ln w="15875">
-            <a:solidFill>
-              <a:schemeClr val="tx1"/>
-            </a:solidFill>
-          </a:ln>
-        </p:spPr>
-        <p:style>
-          <a:lnRef idx="1">
-            <a:schemeClr val="accent1"/>
-          </a:lnRef>
-          <a:fillRef idx="0">
-            <a:schemeClr val="accent1"/>
-          </a:fillRef>
-          <a:effectRef idx="0">
-            <a:schemeClr val="accent1"/>
-          </a:effectRef>
-          <a:fontRef idx="minor">
-            <a:schemeClr val="tx1"/>
-          </a:fontRef>
-        </p:style>
-      </p:cxnSp>
-      <p:cxnSp>
-        <p:nvCxnSpPr>
-          <p:cNvPr id="24" name="直線コネクタ 23"/>
-          <p:cNvCxnSpPr>
-            <a:stCxn id="81" idx="5"/>
-            <a:endCxn id="31" idx="2"/>
-          </p:cNvCxnSpPr>
-          <p:nvPr/>
-        </p:nvCxnSpPr>
-        <p:spPr>
-          <a:xfrm>
-            <a:off x="6164524" y="3269130"/>
-            <a:ext cx="1204232" cy="644978"/>
           </a:xfrm>
           <a:prstGeom prst="line">
             <a:avLst/>
@@ -4600,7 +4524,7 @@
         </p:nvSpPr>
         <p:spPr>
           <a:xfrm rot="11791271">
-            <a:off x="6366973" y="2705948"/>
+            <a:off x="6316509" y="2707423"/>
             <a:ext cx="679269" cy="2293746"/>
           </a:xfrm>
           <a:prstGeom prst="moon">
@@ -4696,8 +4620,8 @@
         </p:nvSpPr>
         <p:spPr>
           <a:xfrm rot="1112970">
-            <a:off x="5098166" y="997763"/>
-            <a:ext cx="852067" cy="2293746"/>
+            <a:off x="5250824" y="994460"/>
+            <a:ext cx="653100" cy="2293746"/>
           </a:xfrm>
           <a:prstGeom prst="moon">
             <a:avLst/>
@@ -5267,10 +5191,11 @@
           <a:prstGeom prst="line">
             <a:avLst/>
           </a:prstGeom>
-          <a:ln w="15875">
-            <a:solidFill>
-              <a:schemeClr val="tx1"/>
-            </a:solidFill>
+          <a:ln w="50800">
+            <a:solidFill>
+              <a:schemeClr val="tx1"/>
+            </a:solidFill>
+            <a:tailEnd type="triangle" w="lg" len="med"/>
           </a:ln>
         </p:spPr>
         <p:style>
@@ -5302,7 +5227,7 @@
           <a:prstGeom prst="line">
             <a:avLst/>
           </a:prstGeom>
-          <a:ln w="15875">
+          <a:ln w="50800">
             <a:solidFill>
               <a:schemeClr val="tx1"/>
             </a:solidFill>
@@ -5339,7 +5264,7 @@
           <a:prstGeom prst="line">
             <a:avLst/>
           </a:prstGeom>
-          <a:ln w="15875">
+          <a:ln w="50800">
             <a:solidFill>
               <a:schemeClr val="tx1"/>
             </a:solidFill>
@@ -5377,45 +5302,7 @@
           <a:prstGeom prst="line">
             <a:avLst/>
           </a:prstGeom>
-          <a:ln w="15875">
-            <a:solidFill>
-              <a:schemeClr val="tx1"/>
-            </a:solidFill>
-          </a:ln>
-        </p:spPr>
-        <p:style>
-          <a:lnRef idx="1">
-            <a:schemeClr val="accent1"/>
-          </a:lnRef>
-          <a:fillRef idx="0">
-            <a:schemeClr val="accent1"/>
-          </a:fillRef>
-          <a:effectRef idx="0">
-            <a:schemeClr val="accent1"/>
-          </a:effectRef>
-          <a:fontRef idx="minor">
-            <a:schemeClr val="tx1"/>
-          </a:fontRef>
-        </p:style>
-      </p:cxnSp>
-      <p:cxnSp>
-        <p:nvCxnSpPr>
-          <p:cNvPr id="20" name="直線コネクタ 19"/>
-          <p:cNvCxnSpPr>
-            <a:stCxn id="12" idx="5"/>
-            <a:endCxn id="10" idx="1"/>
-          </p:cNvCxnSpPr>
-          <p:nvPr/>
-        </p:nvCxnSpPr>
-        <p:spPr>
-          <a:xfrm>
-            <a:off x="5229041" y="1706765"/>
-            <a:ext cx="224621" cy="492532"/>
-          </a:xfrm>
-          <a:prstGeom prst="line">
-            <a:avLst/>
-          </a:prstGeom>
-          <a:ln w="15875">
+          <a:ln w="50800">
             <a:solidFill>
               <a:schemeClr val="tx1"/>
             </a:solidFill>
@@ -5453,10 +5340,11 @@
           <a:prstGeom prst="line">
             <a:avLst/>
           </a:prstGeom>
-          <a:ln w="15875">
-            <a:solidFill>
-              <a:schemeClr val="tx1"/>
-            </a:solidFill>
+          <a:ln w="50800">
+            <a:solidFill>
+              <a:schemeClr val="tx1"/>
+            </a:solidFill>
+            <a:tailEnd type="triangle" w="lg" len="med"/>
           </a:ln>
         </p:spPr>
         <p:style>
@@ -5491,7 +5379,7 @@
           <a:prstGeom prst="line">
             <a:avLst/>
           </a:prstGeom>
-          <a:ln w="15875">
+          <a:ln w="50800">
             <a:solidFill>
               <a:schemeClr val="tx1"/>
             </a:solidFill>
@@ -5528,45 +5416,7 @@
           <a:prstGeom prst="line">
             <a:avLst/>
           </a:prstGeom>
-          <a:ln w="15875">
-            <a:solidFill>
-              <a:schemeClr val="tx1"/>
-            </a:solidFill>
-          </a:ln>
-        </p:spPr>
-        <p:style>
-          <a:lnRef idx="1">
-            <a:schemeClr val="accent1"/>
-          </a:lnRef>
-          <a:fillRef idx="0">
-            <a:schemeClr val="accent1"/>
-          </a:fillRef>
-          <a:effectRef idx="0">
-            <a:schemeClr val="accent1"/>
-          </a:effectRef>
-          <a:fontRef idx="minor">
-            <a:schemeClr val="tx1"/>
-          </a:fontRef>
-        </p:style>
-      </p:cxnSp>
-      <p:cxnSp>
-        <p:nvCxnSpPr>
-          <p:cNvPr id="24" name="直線コネクタ 23"/>
-          <p:cNvCxnSpPr>
-            <a:stCxn id="81" idx="5"/>
-            <a:endCxn id="31" idx="2"/>
-          </p:cNvCxnSpPr>
-          <p:nvPr/>
-        </p:nvCxnSpPr>
-        <p:spPr>
-          <a:xfrm>
-            <a:off x="6164524" y="3269130"/>
-            <a:ext cx="1204232" cy="644978"/>
-          </a:xfrm>
-          <a:prstGeom prst="line">
-            <a:avLst/>
-          </a:prstGeom>
-          <a:ln w="15875">
+          <a:ln w="50800">
             <a:solidFill>
               <a:schemeClr val="tx1"/>
             </a:solidFill>
@@ -5604,7 +5454,7 @@
           <a:prstGeom prst="line">
             <a:avLst/>
           </a:prstGeom>
-          <a:ln w="15875">
+          <a:ln w="50800">
             <a:solidFill>
               <a:schemeClr val="tx1"/>
             </a:solidFill>
@@ -5641,7 +5491,7 @@
           <a:prstGeom prst="line">
             <a:avLst/>
           </a:prstGeom>
-          <a:ln w="15875">
+          <a:ln w="50800">
             <a:solidFill>
               <a:schemeClr val="tx1"/>
             </a:solidFill>
@@ -5679,7 +5529,7 @@
           <a:prstGeom prst="line">
             <a:avLst/>
           </a:prstGeom>
-          <a:ln w="15875">
+          <a:ln w="50800">
             <a:solidFill>
               <a:schemeClr val="tx1"/>
             </a:solidFill>
@@ -5717,7 +5567,7 @@
           <a:prstGeom prst="line">
             <a:avLst/>
           </a:prstGeom>
-          <a:ln w="15875">
+          <a:ln w="50800">
             <a:solidFill>
               <a:schemeClr val="tx1"/>
             </a:solidFill>
@@ -5755,7 +5605,7 @@
           <a:prstGeom prst="line">
             <a:avLst/>
           </a:prstGeom>
-          <a:ln w="15875">
+          <a:ln w="50800">
             <a:solidFill>
               <a:schemeClr val="tx1"/>
             </a:solidFill>
@@ -5842,7 +5692,7 @@
           <a:prstGeom prst="line">
             <a:avLst/>
           </a:prstGeom>
-          <a:ln w="15875">
+          <a:ln w="50800">
             <a:solidFill>
               <a:schemeClr val="tx1"/>
             </a:solidFill>
@@ -5879,7 +5729,7 @@
           <a:prstGeom prst="line">
             <a:avLst/>
           </a:prstGeom>
-          <a:ln w="15875">
+          <a:ln w="50800">
             <a:solidFill>
               <a:schemeClr val="tx1"/>
             </a:solidFill>
@@ -5917,7 +5767,7 @@
           <a:prstGeom prst="line">
             <a:avLst/>
           </a:prstGeom>
-          <a:ln w="15875">
+          <a:ln w="50800">
             <a:solidFill>
               <a:schemeClr val="tx1"/>
             </a:solidFill>
@@ -6634,7 +6484,7 @@
           <a:prstGeom prst="line">
             <a:avLst/>
           </a:prstGeom>
-          <a:ln w="15875">
+          <a:ln w="50800">
             <a:solidFill>
               <a:schemeClr val="tx1"/>
             </a:solidFill>
@@ -6732,44 +6582,6 @@
       </p:cxnSp>
       <p:cxnSp>
         <p:nvCxnSpPr>
-          <p:cNvPr id="20" name="直線コネクタ 19"/>
-          <p:cNvCxnSpPr>
-            <a:stCxn id="12" idx="5"/>
-            <a:endCxn id="10" idx="1"/>
-          </p:cNvCxnSpPr>
-          <p:nvPr/>
-        </p:nvCxnSpPr>
-        <p:spPr>
-          <a:xfrm>
-            <a:off x="5229041" y="1706765"/>
-            <a:ext cx="224621" cy="492532"/>
-          </a:xfrm>
-          <a:prstGeom prst="line">
-            <a:avLst/>
-          </a:prstGeom>
-          <a:ln w="15875">
-            <a:solidFill>
-              <a:schemeClr val="tx1"/>
-            </a:solidFill>
-          </a:ln>
-        </p:spPr>
-        <p:style>
-          <a:lnRef idx="1">
-            <a:schemeClr val="accent1"/>
-          </a:lnRef>
-          <a:fillRef idx="0">
-            <a:schemeClr val="accent1"/>
-          </a:fillRef>
-          <a:effectRef idx="0">
-            <a:schemeClr val="accent1"/>
-          </a:effectRef>
-          <a:fontRef idx="minor">
-            <a:schemeClr val="tx1"/>
-          </a:fontRef>
-        </p:style>
-      </p:cxnSp>
-      <p:cxnSp>
-        <p:nvCxnSpPr>
           <p:cNvPr id="21" name="直線コネクタ 20"/>
           <p:cNvCxnSpPr>
             <a:stCxn id="15" idx="5"/>
@@ -6785,10 +6597,11 @@
           <a:prstGeom prst="line">
             <a:avLst/>
           </a:prstGeom>
-          <a:ln w="15875">
-            <a:solidFill>
-              <a:schemeClr val="tx1"/>
-            </a:solidFill>
+          <a:ln w="50800">
+            <a:solidFill>
+              <a:schemeClr val="tx1"/>
+            </a:solidFill>
+            <a:tailEnd type="triangle" w="lg" len="med"/>
           </a:ln>
         </p:spPr>
         <p:style>
@@ -6883,44 +6696,6 @@
       </p:cxnSp>
       <p:cxnSp>
         <p:nvCxnSpPr>
-          <p:cNvPr id="24" name="直線コネクタ 23"/>
-          <p:cNvCxnSpPr>
-            <a:stCxn id="81" idx="5"/>
-            <a:endCxn id="31" idx="2"/>
-          </p:cNvCxnSpPr>
-          <p:nvPr/>
-        </p:nvCxnSpPr>
-        <p:spPr>
-          <a:xfrm>
-            <a:off x="6164524" y="3269130"/>
-            <a:ext cx="1204232" cy="644978"/>
-          </a:xfrm>
-          <a:prstGeom prst="line">
-            <a:avLst/>
-          </a:prstGeom>
-          <a:ln w="15875">
-            <a:solidFill>
-              <a:schemeClr val="tx1"/>
-            </a:solidFill>
-          </a:ln>
-        </p:spPr>
-        <p:style>
-          <a:lnRef idx="1">
-            <a:schemeClr val="accent1"/>
-          </a:lnRef>
-          <a:fillRef idx="0">
-            <a:schemeClr val="accent1"/>
-          </a:fillRef>
-          <a:effectRef idx="0">
-            <a:schemeClr val="accent1"/>
-          </a:effectRef>
-          <a:fontRef idx="minor">
-            <a:schemeClr val="tx1"/>
-          </a:fontRef>
-        </p:style>
-      </p:cxnSp>
-      <p:cxnSp>
-        <p:nvCxnSpPr>
           <p:cNvPr id="25" name="直線コネクタ 24"/>
           <p:cNvCxnSpPr>
             <a:stCxn id="81" idx="4"/>
@@ -6936,7 +6711,7 @@
           <a:prstGeom prst="line">
             <a:avLst/>
           </a:prstGeom>
-          <a:ln w="15875">
+          <a:ln w="50800">
             <a:solidFill>
               <a:schemeClr val="tx1"/>
             </a:solidFill>
@@ -7011,7 +6786,7 @@
           <a:prstGeom prst="line">
             <a:avLst/>
           </a:prstGeom>
-          <a:ln w="15875">
+          <a:ln w="50800">
             <a:solidFill>
               <a:schemeClr val="tx1"/>
             </a:solidFill>
@@ -7087,7 +6862,7 @@
           <a:prstGeom prst="line">
             <a:avLst/>
           </a:prstGeom>
-          <a:ln w="15875">
+          <a:ln w="50800">
             <a:solidFill>
               <a:schemeClr val="tx1"/>
             </a:solidFill>
@@ -8016,44 +7791,6 @@
       </p:cxnSp>
       <p:cxnSp>
         <p:nvCxnSpPr>
-          <p:cNvPr id="20" name="直線コネクタ 19"/>
-          <p:cNvCxnSpPr>
-            <a:stCxn id="12" idx="5"/>
-            <a:endCxn id="10" idx="1"/>
-          </p:cNvCxnSpPr>
-          <p:nvPr/>
-        </p:nvCxnSpPr>
-        <p:spPr>
-          <a:xfrm>
-            <a:off x="5229041" y="1706765"/>
-            <a:ext cx="224621" cy="492532"/>
-          </a:xfrm>
-          <a:prstGeom prst="line">
-            <a:avLst/>
-          </a:prstGeom>
-          <a:ln w="15875">
-            <a:solidFill>
-              <a:schemeClr val="tx1"/>
-            </a:solidFill>
-          </a:ln>
-        </p:spPr>
-        <p:style>
-          <a:lnRef idx="1">
-            <a:schemeClr val="accent1"/>
-          </a:lnRef>
-          <a:fillRef idx="0">
-            <a:schemeClr val="accent1"/>
-          </a:fillRef>
-          <a:effectRef idx="0">
-            <a:schemeClr val="accent1"/>
-          </a:effectRef>
-          <a:fontRef idx="minor">
-            <a:schemeClr val="tx1"/>
-          </a:fontRef>
-        </p:style>
-      </p:cxnSp>
-      <p:cxnSp>
-        <p:nvCxnSpPr>
           <p:cNvPr id="21" name="直線コネクタ 20"/>
           <p:cNvCxnSpPr>
             <a:stCxn id="15" idx="5"/>
@@ -8140,44 +7877,6 @@
           <a:xfrm flipH="1">
             <a:off x="5606673" y="1102660"/>
             <a:ext cx="506020" cy="1033258"/>
-          </a:xfrm>
-          <a:prstGeom prst="line">
-            <a:avLst/>
-          </a:prstGeom>
-          <a:ln w="15875">
-            <a:solidFill>
-              <a:schemeClr val="tx1"/>
-            </a:solidFill>
-          </a:ln>
-        </p:spPr>
-        <p:style>
-          <a:lnRef idx="1">
-            <a:schemeClr val="accent1"/>
-          </a:lnRef>
-          <a:fillRef idx="0">
-            <a:schemeClr val="accent1"/>
-          </a:fillRef>
-          <a:effectRef idx="0">
-            <a:schemeClr val="accent1"/>
-          </a:effectRef>
-          <a:fontRef idx="minor">
-            <a:schemeClr val="tx1"/>
-          </a:fontRef>
-        </p:style>
-      </p:cxnSp>
-      <p:cxnSp>
-        <p:nvCxnSpPr>
-          <p:cNvPr id="24" name="直線コネクタ 23"/>
-          <p:cNvCxnSpPr>
-            <a:stCxn id="81" idx="5"/>
-            <a:endCxn id="31" idx="2"/>
-          </p:cNvCxnSpPr>
-          <p:nvPr/>
-        </p:nvCxnSpPr>
-        <p:spPr>
-          <a:xfrm>
-            <a:off x="6164524" y="3269130"/>
-            <a:ext cx="1204232" cy="644978"/>
           </a:xfrm>
           <a:prstGeom prst="line">
             <a:avLst/>
